--- a/Leçons/diapo/LP25.pptx
+++ b/Leçons/diapo/LP25.pptx
@@ -246,7 +246,7 @@
           <a:p>
             <a:fld id="{C262451B-073C-4FAC-8D0B-6648421A7945}" type="datetimeFigureOut">
               <a:rPr lang="fr-FR" smtClean="0"/>
-              <a:t>06/05/2020</a:t>
+              <a:t>17/05/2020</a:t>
             </a:fld>
             <a:endParaRPr lang="fr-FR"/>
           </a:p>
@@ -416,7 +416,7 @@
           <a:p>
             <a:fld id="{C262451B-073C-4FAC-8D0B-6648421A7945}" type="datetimeFigureOut">
               <a:rPr lang="fr-FR" smtClean="0"/>
-              <a:t>06/05/2020</a:t>
+              <a:t>17/05/2020</a:t>
             </a:fld>
             <a:endParaRPr lang="fr-FR"/>
           </a:p>
@@ -596,7 +596,7 @@
           <a:p>
             <a:fld id="{C262451B-073C-4FAC-8D0B-6648421A7945}" type="datetimeFigureOut">
               <a:rPr lang="fr-FR" smtClean="0"/>
-              <a:t>06/05/2020</a:t>
+              <a:t>17/05/2020</a:t>
             </a:fld>
             <a:endParaRPr lang="fr-FR"/>
           </a:p>
@@ -766,7 +766,7 @@
           <a:p>
             <a:fld id="{C262451B-073C-4FAC-8D0B-6648421A7945}" type="datetimeFigureOut">
               <a:rPr lang="fr-FR" smtClean="0"/>
-              <a:t>06/05/2020</a:t>
+              <a:t>17/05/2020</a:t>
             </a:fld>
             <a:endParaRPr lang="fr-FR"/>
           </a:p>
@@ -1012,7 +1012,7 @@
           <a:p>
             <a:fld id="{C262451B-073C-4FAC-8D0B-6648421A7945}" type="datetimeFigureOut">
               <a:rPr lang="fr-FR" smtClean="0"/>
-              <a:t>06/05/2020</a:t>
+              <a:t>17/05/2020</a:t>
             </a:fld>
             <a:endParaRPr lang="fr-FR"/>
           </a:p>
@@ -1244,7 +1244,7 @@
           <a:p>
             <a:fld id="{C262451B-073C-4FAC-8D0B-6648421A7945}" type="datetimeFigureOut">
               <a:rPr lang="fr-FR" smtClean="0"/>
-              <a:t>06/05/2020</a:t>
+              <a:t>17/05/2020</a:t>
             </a:fld>
             <a:endParaRPr lang="fr-FR"/>
           </a:p>
@@ -1611,7 +1611,7 @@
           <a:p>
             <a:fld id="{C262451B-073C-4FAC-8D0B-6648421A7945}" type="datetimeFigureOut">
               <a:rPr lang="fr-FR" smtClean="0"/>
-              <a:t>06/05/2020</a:t>
+              <a:t>17/05/2020</a:t>
             </a:fld>
             <a:endParaRPr lang="fr-FR"/>
           </a:p>
@@ -1729,7 +1729,7 @@
           <a:p>
             <a:fld id="{C262451B-073C-4FAC-8D0B-6648421A7945}" type="datetimeFigureOut">
               <a:rPr lang="fr-FR" smtClean="0"/>
-              <a:t>06/05/2020</a:t>
+              <a:t>17/05/2020</a:t>
             </a:fld>
             <a:endParaRPr lang="fr-FR"/>
           </a:p>
@@ -1824,7 +1824,7 @@
           <a:p>
             <a:fld id="{C262451B-073C-4FAC-8D0B-6648421A7945}" type="datetimeFigureOut">
               <a:rPr lang="fr-FR" smtClean="0"/>
-              <a:t>06/05/2020</a:t>
+              <a:t>17/05/2020</a:t>
             </a:fld>
             <a:endParaRPr lang="fr-FR"/>
           </a:p>
@@ -2101,7 +2101,7 @@
           <a:p>
             <a:fld id="{C262451B-073C-4FAC-8D0B-6648421A7945}" type="datetimeFigureOut">
               <a:rPr lang="fr-FR" smtClean="0"/>
-              <a:t>06/05/2020</a:t>
+              <a:t>17/05/2020</a:t>
             </a:fld>
             <a:endParaRPr lang="fr-FR"/>
           </a:p>
@@ -2354,7 +2354,7 @@
           <a:p>
             <a:fld id="{C262451B-073C-4FAC-8D0B-6648421A7945}" type="datetimeFigureOut">
               <a:rPr lang="fr-FR" smtClean="0"/>
-              <a:t>06/05/2020</a:t>
+              <a:t>17/05/2020</a:t>
             </a:fld>
             <a:endParaRPr lang="fr-FR"/>
           </a:p>
@@ -2567,7 +2567,7 @@
           <a:p>
             <a:fld id="{C262451B-073C-4FAC-8D0B-6648421A7945}" type="datetimeFigureOut">
               <a:rPr lang="fr-FR" smtClean="0"/>
-              <a:t>06/05/2020</a:t>
+              <a:t>17/05/2020</a:t>
             </a:fld>
             <a:endParaRPr lang="fr-FR"/>
           </a:p>
@@ -3001,23 +3001,7 @@
                   <a:srgbClr val="0070C0"/>
                 </a:solidFill>
               </a:rPr>
-              <a:t>LP25 </a:t>
-            </a:r>
-            <a:r>
-              <a:rPr lang="fr-FR" b="1" dirty="0" smtClean="0">
-                <a:solidFill>
-                  <a:srgbClr val="0070C0"/>
-                </a:solidFill>
-              </a:rPr>
-              <a:t>: </a:t>
-            </a:r>
-            <a:r>
-              <a:rPr lang="fr-FR" b="1" dirty="0" smtClean="0">
-                <a:solidFill>
-                  <a:srgbClr val="0070C0"/>
-                </a:solidFill>
-              </a:rPr>
-              <a:t>Oscillateurs : portraits de 			phase et non linéarités</a:t>
+              <a:t>LP25 : Oscillateurs : portraits de 			phase et non linéarités</a:t>
             </a:r>
             <a:endParaRPr lang="fr-FR" dirty="0">
               <a:solidFill>
@@ -3157,15 +3141,7 @@
                   <a:srgbClr val="0070C0"/>
                 </a:solidFill>
               </a:rPr>
-              <a:t>  </a:t>
-            </a:r>
-            <a:r>
-              <a:rPr lang="fr-FR" sz="3600" b="1" dirty="0" smtClean="0">
-                <a:solidFill>
-                  <a:srgbClr val="0070C0"/>
-                </a:solidFill>
-              </a:rPr>
-              <a:t>Propriétés générales du portrait de phase</a:t>
+              <a:t>  Propriétés générales du portrait de phase</a:t>
             </a:r>
             <a:endParaRPr lang="fr-FR" sz="3600" dirty="0">
               <a:solidFill>
@@ -3247,8 +3223,8 @@
           </a:p>
         </p:txBody>
       </p:sp>
-      <mc:AlternateContent xmlns:mc="http://schemas.openxmlformats.org/markup-compatibility/2006">
-        <mc:Choice xmlns:a14="http://schemas.microsoft.com/office/drawing/2010/main" Requires="a14">
+      <mc:AlternateContent xmlns:mc="http://schemas.openxmlformats.org/markup-compatibility/2006" xmlns:a14="http://schemas.microsoft.com/office/drawing/2010/main">
+        <mc:Choice Requires="a14">
           <p:sp>
             <p:nvSpPr>
               <p:cNvPr id="6" name="ZoneTexte 5"/>
@@ -3656,7 +3632,7 @@
             </p:txBody>
           </p:sp>
         </mc:Choice>
-        <mc:Fallback>
+        <mc:Fallback xmlns="">
           <p:sp>
             <p:nvSpPr>
               <p:cNvPr id="6" name="ZoneTexte 5"/>
@@ -3973,15 +3949,7 @@
                   <a:srgbClr val="0070C0"/>
                 </a:solidFill>
               </a:rPr>
-              <a:t>  </a:t>
-            </a:r>
-            <a:r>
-              <a:rPr lang="fr-FR" sz="3600" b="1" dirty="0" smtClean="0">
-                <a:solidFill>
-                  <a:srgbClr val="0070C0"/>
-                </a:solidFill>
-              </a:rPr>
-              <a:t>Dissipation et irréversibilité</a:t>
+              <a:t>  Dissipation et irréversibilité</a:t>
             </a:r>
             <a:endParaRPr lang="fr-FR" sz="3600" dirty="0">
               <a:solidFill>
@@ -4151,15 +4119,7 @@
                   <a:srgbClr val="0070C0"/>
                 </a:solidFill>
               </a:rPr>
-              <a:t>  </a:t>
-            </a:r>
-            <a:r>
-              <a:rPr lang="fr-FR" sz="3600" b="1" dirty="0" smtClean="0">
-                <a:solidFill>
-                  <a:srgbClr val="0070C0"/>
-                </a:solidFill>
-              </a:rPr>
-              <a:t>Portrait de phase du pendule simple</a:t>
+              <a:t>  Portrait de phase du pendule simple</a:t>
             </a:r>
             <a:endParaRPr lang="fr-FR" sz="3600" dirty="0">
               <a:solidFill>
@@ -4237,8 +4197,8 @@
         </p:blipFill>
         <p:spPr>
           <a:xfrm>
-            <a:off x="2718185" y="1148154"/>
-            <a:ext cx="6755629" cy="5358395"/>
+            <a:off x="2730453" y="1148154"/>
+            <a:ext cx="6731092" cy="5358395"/>
           </a:xfrm>
           <a:prstGeom prst="rect">
             <a:avLst/>
